--- a/1_0722/0722_progress.pptx
+++ b/1_0722/0722_progress.pptx
@@ -305,7 +305,7 @@
           <a:p>
             <a:fld id="{DBA7A782-6211-4857-8CCF-A6CB4A197067}" type="datetimeFigureOut">
               <a:rPr lang="ko-KR" altLang="en-US" smtClean="0"/>
-              <a:t>2025-07-21</a:t>
+              <a:t>2025-07-22</a:t>
             </a:fld>
             <a:endParaRPr lang="ko-KR" altLang="en-US"/>
           </a:p>
@@ -503,7 +503,7 @@
           <a:p>
             <a:fld id="{DBA7A782-6211-4857-8CCF-A6CB4A197067}" type="datetimeFigureOut">
               <a:rPr lang="ko-KR" altLang="en-US" smtClean="0"/>
-              <a:t>2025-07-21</a:t>
+              <a:t>2025-07-22</a:t>
             </a:fld>
             <a:endParaRPr lang="ko-KR" altLang="en-US"/>
           </a:p>
@@ -711,7 +711,7 @@
           <a:p>
             <a:fld id="{DBA7A782-6211-4857-8CCF-A6CB4A197067}" type="datetimeFigureOut">
               <a:rPr lang="ko-KR" altLang="en-US" smtClean="0"/>
-              <a:t>2025-07-21</a:t>
+              <a:t>2025-07-22</a:t>
             </a:fld>
             <a:endParaRPr lang="ko-KR" altLang="en-US"/>
           </a:p>
@@ -909,7 +909,7 @@
           <a:p>
             <a:fld id="{DBA7A782-6211-4857-8CCF-A6CB4A197067}" type="datetimeFigureOut">
               <a:rPr lang="ko-KR" altLang="en-US" smtClean="0"/>
-              <a:t>2025-07-21</a:t>
+              <a:t>2025-07-22</a:t>
             </a:fld>
             <a:endParaRPr lang="ko-KR" altLang="en-US"/>
           </a:p>
@@ -1184,7 +1184,7 @@
           <a:p>
             <a:fld id="{DBA7A782-6211-4857-8CCF-A6CB4A197067}" type="datetimeFigureOut">
               <a:rPr lang="ko-KR" altLang="en-US" smtClean="0"/>
-              <a:t>2025-07-21</a:t>
+              <a:t>2025-07-22</a:t>
             </a:fld>
             <a:endParaRPr lang="ko-KR" altLang="en-US"/>
           </a:p>
@@ -1449,7 +1449,7 @@
           <a:p>
             <a:fld id="{DBA7A782-6211-4857-8CCF-A6CB4A197067}" type="datetimeFigureOut">
               <a:rPr lang="ko-KR" altLang="en-US" smtClean="0"/>
-              <a:t>2025-07-21</a:t>
+              <a:t>2025-07-22</a:t>
             </a:fld>
             <a:endParaRPr lang="ko-KR" altLang="en-US"/>
           </a:p>
@@ -1861,7 +1861,7 @@
           <a:p>
             <a:fld id="{DBA7A782-6211-4857-8CCF-A6CB4A197067}" type="datetimeFigureOut">
               <a:rPr lang="ko-KR" altLang="en-US" smtClean="0"/>
-              <a:t>2025-07-21</a:t>
+              <a:t>2025-07-22</a:t>
             </a:fld>
             <a:endParaRPr lang="ko-KR" altLang="en-US"/>
           </a:p>
@@ -2002,7 +2002,7 @@
           <a:p>
             <a:fld id="{DBA7A782-6211-4857-8CCF-A6CB4A197067}" type="datetimeFigureOut">
               <a:rPr lang="ko-KR" altLang="en-US" smtClean="0"/>
-              <a:t>2025-07-21</a:t>
+              <a:t>2025-07-22</a:t>
             </a:fld>
             <a:endParaRPr lang="ko-KR" altLang="en-US"/>
           </a:p>
@@ -2115,7 +2115,7 @@
           <a:p>
             <a:fld id="{DBA7A782-6211-4857-8CCF-A6CB4A197067}" type="datetimeFigureOut">
               <a:rPr lang="ko-KR" altLang="en-US" smtClean="0"/>
-              <a:t>2025-07-21</a:t>
+              <a:t>2025-07-22</a:t>
             </a:fld>
             <a:endParaRPr lang="ko-KR" altLang="en-US"/>
           </a:p>
@@ -2426,7 +2426,7 @@
           <a:p>
             <a:fld id="{DBA7A782-6211-4857-8CCF-A6CB4A197067}" type="datetimeFigureOut">
               <a:rPr lang="ko-KR" altLang="en-US" smtClean="0"/>
-              <a:t>2025-07-21</a:t>
+              <a:t>2025-07-22</a:t>
             </a:fld>
             <a:endParaRPr lang="ko-KR" altLang="en-US"/>
           </a:p>
@@ -2714,7 +2714,7 @@
           <a:p>
             <a:fld id="{DBA7A782-6211-4857-8CCF-A6CB4A197067}" type="datetimeFigureOut">
               <a:rPr lang="ko-KR" altLang="en-US" smtClean="0"/>
-              <a:t>2025-07-21</a:t>
+              <a:t>2025-07-22</a:t>
             </a:fld>
             <a:endParaRPr lang="ko-KR" altLang="en-US"/>
           </a:p>
@@ -2955,7 +2955,7 @@
           <a:p>
             <a:fld id="{DBA7A782-6211-4857-8CCF-A6CB4A197067}" type="datetimeFigureOut">
               <a:rPr lang="ko-KR" altLang="en-US" smtClean="0"/>
-              <a:t>2025-07-21</a:t>
+              <a:t>2025-07-22</a:t>
             </a:fld>
             <a:endParaRPr lang="ko-KR" altLang="en-US"/>
           </a:p>
@@ -3468,10 +3468,10 @@
       </p:sp>
       <p:sp>
         <p:nvSpPr>
-          <p:cNvPr id="3" name="TextBox 2">
-            <a:extLst>
-              <a:ext uri="{FF2B5EF4-FFF2-40B4-BE49-F238E27FC236}">
-                <a16:creationId xmlns:a16="http://schemas.microsoft.com/office/drawing/2014/main" id="{66530835-1A1A-C417-D320-3433EC3E4690}"/>
+          <p:cNvPr id="4" name="TextBox 3">
+            <a:extLst>
+              <a:ext uri="{FF2B5EF4-FFF2-40B4-BE49-F238E27FC236}">
+                <a16:creationId xmlns:a16="http://schemas.microsoft.com/office/drawing/2014/main" id="{84BBC57B-2DF3-7645-001B-E885C17D5BB7}"/>
               </a:ext>
             </a:extLst>
           </p:cNvPr>
@@ -3480,48 +3480,7 @@
         </p:nvSpPr>
         <p:spPr>
           <a:xfrm>
-            <a:off x="740229" y="1718039"/>
-            <a:ext cx="7990970" cy="646331"/>
-          </a:xfrm>
-          <a:prstGeom prst="rect">
-            <a:avLst/>
-          </a:prstGeom>
-          <a:noFill/>
-        </p:spPr>
-        <p:txBody>
-          <a:bodyPr wrap="none" rtlCol="0">
-            <a:spAutoFit/>
-          </a:bodyPr>
-          <a:lstStyle/>
-          <a:p>
-            <a:r>
-              <a:rPr lang="en-US" altLang="ko-KR"/>
-              <a:t>2. Increased Gradient of Neural Complexity is Inversely Related to Level of</a:t>
-            </a:r>
-          </a:p>
-          <a:p>
-            <a:r>
-              <a:rPr lang="en-US" altLang="ko-KR"/>
-              <a:t>Performance in Low-Level Perceptual Tasks</a:t>
-            </a:r>
-          </a:p>
-        </p:txBody>
-      </p:sp>
-      <p:sp>
-        <p:nvSpPr>
-          <p:cNvPr id="4" name="TextBox 3">
-            <a:extLst>
-              <a:ext uri="{FF2B5EF4-FFF2-40B4-BE49-F238E27FC236}">
-                <a16:creationId xmlns:a16="http://schemas.microsoft.com/office/drawing/2014/main" id="{84BBC57B-2DF3-7645-001B-E885C17D5BB7}"/>
-              </a:ext>
-            </a:extLst>
-          </p:cNvPr>
-          <p:cNvSpPr txBox="1"/>
-          <p:nvPr/>
-        </p:nvSpPr>
-        <p:spPr>
-          <a:xfrm>
-            <a:off x="740229" y="2609142"/>
+            <a:off x="731085" y="1877622"/>
             <a:ext cx="8500853" cy="369332"/>
           </a:xfrm>
           <a:prstGeom prst="rect">
@@ -3556,7 +3515,7 @@
         </p:nvSpPr>
         <p:spPr>
           <a:xfrm>
-            <a:off x="740229" y="3223246"/>
+            <a:off x="731085" y="2491726"/>
             <a:ext cx="6026201" cy="646331"/>
           </a:xfrm>
           <a:prstGeom prst="rect">
@@ -3597,7 +3556,7 @@
         </p:nvSpPr>
         <p:spPr>
           <a:xfrm>
-            <a:off x="740229" y="4114349"/>
+            <a:off x="731085" y="3382829"/>
             <a:ext cx="8732199" cy="369332"/>
           </a:xfrm>
           <a:prstGeom prst="rect">
@@ -3632,7 +3591,7 @@
         </p:nvSpPr>
         <p:spPr>
           <a:xfrm>
-            <a:off x="740229" y="4728453"/>
+            <a:off x="731085" y="3996933"/>
             <a:ext cx="5500673" cy="369332"/>
           </a:xfrm>
           <a:prstGeom prst="rect">
@@ -3667,7 +3626,7 @@
         </p:nvSpPr>
         <p:spPr>
           <a:xfrm>
-            <a:off x="740229" y="5342557"/>
+            <a:off x="731085" y="4611037"/>
             <a:ext cx="10428111" cy="369332"/>
           </a:xfrm>
           <a:prstGeom prst="rect">
@@ -3702,7 +3661,7 @@
         </p:nvSpPr>
         <p:spPr>
           <a:xfrm>
-            <a:off x="740229" y="5956663"/>
+            <a:off x="731085" y="5225143"/>
             <a:ext cx="9958817" cy="369332"/>
           </a:xfrm>
           <a:prstGeom prst="rect">
@@ -6051,7 +6010,7 @@
         </p:nvSpPr>
         <p:spPr>
           <a:xfrm>
-            <a:off x="2207423" y="3958436"/>
+            <a:off x="2534544" y="4726532"/>
             <a:ext cx="2776466" cy="369332"/>
           </a:xfrm>
           <a:prstGeom prst="rect">
@@ -6066,10 +6025,10 @@
           <a:lstStyle/>
           <a:p>
             <a:r>
-              <a:rPr lang="en-US" altLang="ko-KR" b="1"/>
+              <a:rPr lang="en-US" altLang="ko-KR" b="1" dirty="0"/>
               <a:t>word-processing ability</a:t>
             </a:r>
-            <a:endParaRPr lang="en-US" altLang="ko-KR"/>
+            <a:endParaRPr lang="en-US" altLang="ko-KR" dirty="0"/>
           </a:p>
         </p:txBody>
       </p:sp>
@@ -11024,7 +10983,7 @@
         <p:spPr>
           <a:xfrm>
             <a:off x="838200" y="2067988"/>
-            <a:ext cx="9941568" cy="923330"/>
+            <a:ext cx="11122151" cy="1015663"/>
           </a:xfrm>
           <a:prstGeom prst="rect">
             <a:avLst/>
@@ -11032,30 +10991,30 @@
           <a:noFill/>
         </p:spPr>
         <p:txBody>
-          <a:bodyPr wrap="none" rtlCol="0">
+          <a:bodyPr wrap="square" rtlCol="0">
             <a:spAutoFit/>
           </a:bodyPr>
           <a:lstStyle/>
           <a:p>
             <a:r>
-              <a:rPr lang="en-US" altLang="ko-KR"/>
+              <a:rPr lang="en-US" altLang="ko-KR" sz="2000" dirty="0"/>
               <a:t>Savant syndrome is a rare, but extraordinary, condition in which persons with serious mental</a:t>
             </a:r>
             <a:br>
-              <a:rPr lang="en-US" altLang="ko-KR"/>
+              <a:rPr lang="en-US" altLang="ko-KR" sz="2000" dirty="0"/>
             </a:br>
             <a:r>
-              <a:rPr lang="en-US" altLang="ko-KR"/>
+              <a:rPr lang="en-US" altLang="ko-KR" sz="2000" dirty="0"/>
               <a:t>disabilities, including autistic disorder, have some ‘island of genius’ which stands in marked,</a:t>
             </a:r>
             <a:br>
-              <a:rPr lang="en-US" altLang="ko-KR"/>
+              <a:rPr lang="en-US" altLang="ko-KR" sz="2000" dirty="0"/>
             </a:br>
             <a:r>
-              <a:rPr lang="en-US" altLang="ko-KR"/>
+              <a:rPr lang="en-US" altLang="ko-KR" sz="2000" dirty="0"/>
               <a:t>incongruous contrast to overall handicap</a:t>
             </a:r>
-            <a:endParaRPr lang="ko-KR" altLang="en-US"/>
+            <a:endParaRPr lang="ko-KR" altLang="en-US" sz="2000" dirty="0"/>
           </a:p>
         </p:txBody>
       </p:sp>
@@ -17344,6 +17303,437 @@
           </a:p>
         </p:txBody>
       </p:sp>
+      <p:sp>
+        <p:nvSpPr>
+          <p:cNvPr id="3" name="사각형: 둥근 모서리 2">
+            <a:extLst>
+              <a:ext uri="{FF2B5EF4-FFF2-40B4-BE49-F238E27FC236}">
+                <a16:creationId xmlns:a16="http://schemas.microsoft.com/office/drawing/2014/main" id="{7EDD85BF-95BA-4572-60ED-1763B893D776}"/>
+              </a:ext>
+            </a:extLst>
+          </p:cNvPr>
+          <p:cNvSpPr/>
+          <p:nvPr/>
+        </p:nvSpPr>
+        <p:spPr>
+          <a:xfrm>
+            <a:off x="4169664" y="1690688"/>
+            <a:ext cx="3355848" cy="1106424"/>
+          </a:xfrm>
+          <a:prstGeom prst="roundRect">
+            <a:avLst/>
+          </a:prstGeom>
+          <a:solidFill>
+            <a:schemeClr val="bg1"/>
+          </a:solidFill>
+          <a:ln>
+            <a:solidFill>
+              <a:schemeClr val="tx1"/>
+            </a:solidFill>
+          </a:ln>
+        </p:spPr>
+        <p:style>
+          <a:lnRef idx="2">
+            <a:schemeClr val="accent1">
+              <a:shade val="15000"/>
+            </a:schemeClr>
+          </a:lnRef>
+          <a:fillRef idx="1">
+            <a:schemeClr val="accent1"/>
+          </a:fillRef>
+          <a:effectRef idx="0">
+            <a:schemeClr val="accent1"/>
+          </a:effectRef>
+          <a:fontRef idx="minor">
+            <a:schemeClr val="lt1"/>
+          </a:fontRef>
+        </p:style>
+        <p:txBody>
+          <a:bodyPr rtlCol="0" anchor="ctr"/>
+          <a:lstStyle/>
+          <a:p>
+            <a:pPr algn="ctr"/>
+            <a:r>
+              <a:rPr lang="en-US" altLang="ko-KR" dirty="0">
+                <a:ln>
+                  <a:solidFill>
+                    <a:sysClr val="windowText" lastClr="000000"/>
+                  </a:solidFill>
+                </a:ln>
+                <a:solidFill>
+                  <a:schemeClr val="tx1"/>
+                </a:solidFill>
+              </a:rPr>
+              <a:t>How</a:t>
+            </a:r>
+            <a:r>
+              <a:rPr lang="ko-KR" altLang="en-US" dirty="0">
+                <a:ln>
+                  <a:solidFill>
+                    <a:sysClr val="windowText" lastClr="000000"/>
+                  </a:solidFill>
+                </a:ln>
+                <a:solidFill>
+                  <a:schemeClr val="tx1"/>
+                </a:solidFill>
+              </a:rPr>
+              <a:t> </a:t>
+            </a:r>
+            <a:r>
+              <a:rPr lang="en-US" altLang="ko-KR" dirty="0">
+                <a:ln>
+                  <a:solidFill>
+                    <a:sysClr val="windowText" lastClr="000000"/>
+                  </a:solidFill>
+                </a:ln>
+                <a:solidFill>
+                  <a:schemeClr val="tx1"/>
+                </a:solidFill>
+              </a:rPr>
+              <a:t>to</a:t>
+            </a:r>
+            <a:r>
+              <a:rPr lang="ko-KR" altLang="en-US" dirty="0">
+                <a:ln>
+                  <a:solidFill>
+                    <a:sysClr val="windowText" lastClr="000000"/>
+                  </a:solidFill>
+                </a:ln>
+                <a:solidFill>
+                  <a:schemeClr val="tx1"/>
+                </a:solidFill>
+              </a:rPr>
+              <a:t> </a:t>
+            </a:r>
+            <a:r>
+              <a:rPr lang="en-US" altLang="ko-KR" dirty="0">
+                <a:ln>
+                  <a:solidFill>
+                    <a:sysClr val="windowText" lastClr="000000"/>
+                  </a:solidFill>
+                </a:ln>
+                <a:solidFill>
+                  <a:schemeClr val="tx1"/>
+                </a:solidFill>
+              </a:rPr>
+              <a:t>Memorize</a:t>
+            </a:r>
+          </a:p>
+          <a:p>
+            <a:pPr algn="ctr"/>
+            <a:r>
+              <a:rPr lang="en-US" altLang="ko-KR" dirty="0">
+                <a:ln>
+                  <a:solidFill>
+                    <a:sysClr val="windowText" lastClr="000000"/>
+                  </a:solidFill>
+                </a:ln>
+                <a:solidFill>
+                  <a:schemeClr val="tx1"/>
+                </a:solidFill>
+              </a:rPr>
+              <a:t>Like</a:t>
+            </a:r>
+            <a:r>
+              <a:rPr lang="ko-KR" altLang="en-US" dirty="0">
+                <a:ln>
+                  <a:solidFill>
+                    <a:sysClr val="windowText" lastClr="000000"/>
+                  </a:solidFill>
+                </a:ln>
+                <a:solidFill>
+                  <a:schemeClr val="tx1"/>
+                </a:solidFill>
+              </a:rPr>
+              <a:t> </a:t>
+            </a:r>
+            <a:r>
+              <a:rPr lang="en-US" altLang="ko-KR" dirty="0">
+                <a:ln>
+                  <a:solidFill>
+                    <a:sysClr val="windowText" lastClr="000000"/>
+                  </a:solidFill>
+                </a:ln>
+                <a:solidFill>
+                  <a:schemeClr val="tx1"/>
+                </a:solidFill>
+              </a:rPr>
+              <a:t>Hippocampus?</a:t>
+            </a:r>
+          </a:p>
+        </p:txBody>
+      </p:sp>
+      <p:sp>
+        <p:nvSpPr>
+          <p:cNvPr id="4" name="사각형: 둥근 모서리 3">
+            <a:extLst>
+              <a:ext uri="{FF2B5EF4-FFF2-40B4-BE49-F238E27FC236}">
+                <a16:creationId xmlns:a16="http://schemas.microsoft.com/office/drawing/2014/main" id="{190CFE9F-5B16-9BC0-D5E5-6EBE5F5488F8}"/>
+              </a:ext>
+            </a:extLst>
+          </p:cNvPr>
+          <p:cNvSpPr/>
+          <p:nvPr/>
+        </p:nvSpPr>
+        <p:spPr>
+          <a:xfrm>
+            <a:off x="4169664" y="3214688"/>
+            <a:ext cx="3355848" cy="1106424"/>
+          </a:xfrm>
+          <a:prstGeom prst="roundRect">
+            <a:avLst/>
+          </a:prstGeom>
+          <a:solidFill>
+            <a:schemeClr val="bg1"/>
+          </a:solidFill>
+          <a:ln>
+            <a:solidFill>
+              <a:schemeClr val="tx1"/>
+            </a:solidFill>
+          </a:ln>
+        </p:spPr>
+        <p:style>
+          <a:lnRef idx="2">
+            <a:schemeClr val="accent1">
+              <a:shade val="15000"/>
+            </a:schemeClr>
+          </a:lnRef>
+          <a:fillRef idx="1">
+            <a:schemeClr val="accent1"/>
+          </a:fillRef>
+          <a:effectRef idx="0">
+            <a:schemeClr val="accent1"/>
+          </a:effectRef>
+          <a:fontRef idx="minor">
+            <a:schemeClr val="lt1"/>
+          </a:fontRef>
+        </p:style>
+        <p:txBody>
+          <a:bodyPr rtlCol="0" anchor="ctr"/>
+          <a:lstStyle/>
+          <a:p>
+            <a:pPr algn="ctr"/>
+            <a:r>
+              <a:rPr lang="en-US" altLang="ko-KR" dirty="0">
+                <a:ln>
+                  <a:solidFill>
+                    <a:sysClr val="windowText" lastClr="000000"/>
+                  </a:solidFill>
+                </a:ln>
+                <a:solidFill>
+                  <a:sysClr val="windowText" lastClr="000000"/>
+                </a:solidFill>
+              </a:rPr>
+              <a:t>How to communication</a:t>
+            </a:r>
+          </a:p>
+          <a:p>
+            <a:pPr algn="ctr"/>
+            <a:r>
+              <a:rPr lang="en-US" altLang="ko-KR" dirty="0">
+                <a:ln>
+                  <a:solidFill>
+                    <a:sysClr val="windowText" lastClr="000000"/>
+                  </a:solidFill>
+                </a:ln>
+                <a:solidFill>
+                  <a:sysClr val="windowText" lastClr="000000"/>
+                </a:solidFill>
+              </a:rPr>
+              <a:t>Like Brain?</a:t>
+            </a:r>
+            <a:endParaRPr lang="ko-KR" altLang="en-US" dirty="0">
+              <a:ln>
+                <a:solidFill>
+                  <a:sysClr val="windowText" lastClr="000000"/>
+                </a:solidFill>
+              </a:ln>
+              <a:solidFill>
+                <a:sysClr val="windowText" lastClr="000000"/>
+              </a:solidFill>
+            </a:endParaRPr>
+          </a:p>
+        </p:txBody>
+      </p:sp>
+      <p:sp>
+        <p:nvSpPr>
+          <p:cNvPr id="5" name="사각형: 둥근 모서리 4">
+            <a:extLst>
+              <a:ext uri="{FF2B5EF4-FFF2-40B4-BE49-F238E27FC236}">
+                <a16:creationId xmlns:a16="http://schemas.microsoft.com/office/drawing/2014/main" id="{8AE9A27A-FD5D-F927-9D57-1C3EE06A0912}"/>
+              </a:ext>
+            </a:extLst>
+          </p:cNvPr>
+          <p:cNvSpPr/>
+          <p:nvPr/>
+        </p:nvSpPr>
+        <p:spPr>
+          <a:xfrm>
+            <a:off x="4169664" y="4738688"/>
+            <a:ext cx="3355848" cy="1106424"/>
+          </a:xfrm>
+          <a:prstGeom prst="roundRect">
+            <a:avLst/>
+          </a:prstGeom>
+          <a:solidFill>
+            <a:schemeClr val="bg1"/>
+          </a:solidFill>
+          <a:ln>
+            <a:solidFill>
+              <a:schemeClr val="tx1"/>
+            </a:solidFill>
+          </a:ln>
+        </p:spPr>
+        <p:style>
+          <a:lnRef idx="2">
+            <a:schemeClr val="accent1">
+              <a:shade val="15000"/>
+            </a:schemeClr>
+          </a:lnRef>
+          <a:fillRef idx="1">
+            <a:schemeClr val="accent1"/>
+          </a:fillRef>
+          <a:effectRef idx="0">
+            <a:schemeClr val="accent1"/>
+          </a:effectRef>
+          <a:fontRef idx="minor">
+            <a:schemeClr val="lt1"/>
+          </a:fontRef>
+        </p:style>
+        <p:txBody>
+          <a:bodyPr rtlCol="0" anchor="ctr"/>
+          <a:lstStyle/>
+          <a:p>
+            <a:pPr algn="ctr"/>
+            <a:r>
+              <a:rPr lang="en-US" altLang="ko-KR" dirty="0">
+                <a:ln>
+                  <a:solidFill>
+                    <a:sysClr val="windowText" lastClr="000000"/>
+                  </a:solidFill>
+                </a:ln>
+                <a:solidFill>
+                  <a:sysClr val="windowText" lastClr="000000"/>
+                </a:solidFill>
+              </a:rPr>
+              <a:t>How</a:t>
+            </a:r>
+            <a:r>
+              <a:rPr lang="ko-KR" altLang="en-US" dirty="0">
+                <a:ln>
+                  <a:solidFill>
+                    <a:sysClr val="windowText" lastClr="000000"/>
+                  </a:solidFill>
+                </a:ln>
+                <a:solidFill>
+                  <a:sysClr val="windowText" lastClr="000000"/>
+                </a:solidFill>
+              </a:rPr>
+              <a:t> </a:t>
+            </a:r>
+            <a:r>
+              <a:rPr lang="en-US" altLang="ko-KR" dirty="0">
+                <a:ln>
+                  <a:solidFill>
+                    <a:sysClr val="windowText" lastClr="000000"/>
+                  </a:solidFill>
+                </a:ln>
+                <a:solidFill>
+                  <a:sysClr val="windowText" lastClr="000000"/>
+                </a:solidFill>
+              </a:rPr>
+              <a:t>to</a:t>
+            </a:r>
+            <a:r>
+              <a:rPr lang="ko-KR" altLang="en-US" dirty="0">
+                <a:ln>
+                  <a:solidFill>
+                    <a:sysClr val="windowText" lastClr="000000"/>
+                  </a:solidFill>
+                </a:ln>
+                <a:solidFill>
+                  <a:sysClr val="windowText" lastClr="000000"/>
+                </a:solidFill>
+              </a:rPr>
+              <a:t> </a:t>
+            </a:r>
+            <a:r>
+              <a:rPr lang="en-US" altLang="ko-KR" dirty="0">
+                <a:ln>
+                  <a:solidFill>
+                    <a:sysClr val="windowText" lastClr="000000"/>
+                  </a:solidFill>
+                </a:ln>
+                <a:solidFill>
+                  <a:sysClr val="windowText" lastClr="000000"/>
+                </a:solidFill>
+              </a:rPr>
+              <a:t>Overgrow</a:t>
+            </a:r>
+            <a:br>
+              <a:rPr lang="en-US" altLang="ko-KR" dirty="0">
+                <a:ln>
+                  <a:solidFill>
+                    <a:sysClr val="windowText" lastClr="000000"/>
+                  </a:solidFill>
+                </a:ln>
+                <a:solidFill>
+                  <a:sysClr val="windowText" lastClr="000000"/>
+                </a:solidFill>
+              </a:rPr>
+            </a:br>
+            <a:r>
+              <a:rPr lang="en-US" altLang="ko-KR" dirty="0">
+                <a:ln>
+                  <a:solidFill>
+                    <a:sysClr val="windowText" lastClr="000000"/>
+                  </a:solidFill>
+                </a:ln>
+                <a:solidFill>
+                  <a:sysClr val="windowText" lastClr="000000"/>
+                </a:solidFill>
+              </a:rPr>
+              <a:t>Like</a:t>
+            </a:r>
+            <a:r>
+              <a:rPr lang="ko-KR" altLang="en-US" dirty="0">
+                <a:ln>
+                  <a:solidFill>
+                    <a:sysClr val="windowText" lastClr="000000"/>
+                  </a:solidFill>
+                </a:ln>
+                <a:solidFill>
+                  <a:sysClr val="windowText" lastClr="000000"/>
+                </a:solidFill>
+              </a:rPr>
+              <a:t> </a:t>
+            </a:r>
+            <a:r>
+              <a:rPr lang="en-US" altLang="ko-KR" dirty="0">
+                <a:ln>
+                  <a:solidFill>
+                    <a:sysClr val="windowText" lastClr="000000"/>
+                  </a:solidFill>
+                </a:ln>
+                <a:solidFill>
+                  <a:sysClr val="windowText" lastClr="000000"/>
+                </a:solidFill>
+              </a:rPr>
+              <a:t>Autism?</a:t>
+            </a:r>
+            <a:endParaRPr lang="ko-KR" altLang="en-US" dirty="0">
+              <a:ln>
+                <a:solidFill>
+                  <a:sysClr val="windowText" lastClr="000000"/>
+                </a:solidFill>
+              </a:ln>
+              <a:solidFill>
+                <a:sysClr val="windowText" lastClr="000000"/>
+              </a:solidFill>
+            </a:endParaRPr>
+          </a:p>
+        </p:txBody>
+      </p:sp>
     </p:spTree>
     <p:extLst>
       <p:ext uri="{BB962C8B-B14F-4D97-AF65-F5344CB8AC3E}">
@@ -17980,14 +18370,14 @@
           <p:nvPr>
             <p:extLst>
               <p:ext uri="{D42A27DB-BD31-4B8C-83A1-F6EECF244321}">
-                <p14:modId xmlns:p14="http://schemas.microsoft.com/office/powerpoint/2010/main" val="3035341105"/>
+                <p14:modId xmlns:p14="http://schemas.microsoft.com/office/powerpoint/2010/main" val="776048114"/>
               </p:ext>
             </p:extLst>
           </p:nvPr>
         </p:nvGraphicFramePr>
         <p:xfrm>
-          <a:off x="2551612" y="2409128"/>
-          <a:ext cx="6226629" cy="741680"/>
+          <a:off x="2548345" y="2103438"/>
+          <a:ext cx="7095309" cy="1325562"/>
         </p:xfrm>
         <a:graphic>
           <a:graphicData uri="http://schemas.openxmlformats.org/drawingml/2006/table">
@@ -17996,21 +18386,21 @@
                 <a:tableStyleId>{5940675A-B579-460E-94D1-54222C63F5DA}</a:tableStyleId>
               </a:tblPr>
               <a:tblGrid>
-                <a:gridCol w="2075543">
+                <a:gridCol w="2365103">
                   <a:extLst>
                     <a:ext uri="{9D8B030D-6E8A-4147-A177-3AD203B41FA5}">
                       <a16:colId xmlns:a16="http://schemas.microsoft.com/office/drawing/2014/main" val="3494039300"/>
                     </a:ext>
                   </a:extLst>
                 </a:gridCol>
-                <a:gridCol w="2075543">
+                <a:gridCol w="2365103">
                   <a:extLst>
                     <a:ext uri="{9D8B030D-6E8A-4147-A177-3AD203B41FA5}">
                       <a16:colId xmlns:a16="http://schemas.microsoft.com/office/drawing/2014/main" val="1810301659"/>
                     </a:ext>
                   </a:extLst>
                 </a:gridCol>
-                <a:gridCol w="2075543">
+                <a:gridCol w="2365103">
                   <a:extLst>
                     <a:ext uri="{9D8B030D-6E8A-4147-A177-3AD203B41FA5}">
                       <a16:colId xmlns:a16="http://schemas.microsoft.com/office/drawing/2014/main" val="982574700"/>
@@ -18018,14 +18408,14 @@
                   </a:extLst>
                 </a:gridCol>
               </a:tblGrid>
-              <a:tr h="370840">
+              <a:tr h="662781">
                 <a:tc>
                   <a:txBody>
                     <a:bodyPr/>
                     <a:lstStyle/>
                     <a:p>
                       <a:pPr algn="ctr" latinLnBrk="1"/>
-                      <a:endParaRPr lang="ko-KR" altLang="en-US" b="0"/>
+                      <a:endParaRPr lang="ko-KR" altLang="en-US" sz="2400" b="0" dirty="0"/>
                     </a:p>
                   </a:txBody>
                   <a:tcPr/>
@@ -18037,10 +18427,10 @@
                     <a:p>
                       <a:pPr algn="ctr" latinLnBrk="1"/>
                       <a:r>
-                        <a:rPr lang="en-US" altLang="ko-KR" b="0"/>
+                        <a:rPr lang="en-US" altLang="ko-KR" sz="2400" b="0" dirty="0"/>
                         <a:t>Autism</a:t>
                       </a:r>
-                      <a:endParaRPr lang="ko-KR" altLang="en-US" b="0"/>
+                      <a:endParaRPr lang="ko-KR" altLang="en-US" sz="2400" b="0" dirty="0"/>
                     </a:p>
                   </a:txBody>
                   <a:tcPr/>
@@ -18052,10 +18442,10 @@
                     <a:p>
                       <a:pPr algn="ctr" latinLnBrk="1"/>
                       <a:r>
-                        <a:rPr lang="en-US" altLang="ko-KR" b="0"/>
+                        <a:rPr lang="en-US" altLang="ko-KR" sz="2400" b="0"/>
                         <a:t>Non-Autism</a:t>
                       </a:r>
-                      <a:endParaRPr lang="ko-KR" altLang="en-US" b="0"/>
+                      <a:endParaRPr lang="ko-KR" altLang="en-US" sz="2400" b="0"/>
                     </a:p>
                   </a:txBody>
                   <a:tcPr/>
@@ -18066,7 +18456,7 @@
                   </a:ext>
                 </a:extLst>
               </a:tr>
-              <a:tr h="370840">
+              <a:tr h="662781">
                 <a:tc>
                   <a:txBody>
                     <a:bodyPr/>
@@ -18074,10 +18464,10 @@
                     <a:p>
                       <a:pPr algn="ctr" latinLnBrk="1"/>
                       <a:r>
-                        <a:rPr lang="en-US" altLang="ko-KR" b="0"/>
+                        <a:rPr lang="en-US" altLang="ko-KR" sz="2400" b="0"/>
                         <a:t>Probability</a:t>
                       </a:r>
-                      <a:endParaRPr lang="ko-KR" altLang="en-US" b="0"/>
+                      <a:endParaRPr lang="ko-KR" altLang="en-US" sz="2400" b="0"/>
                     </a:p>
                   </a:txBody>
                   <a:tcPr/>
@@ -18089,10 +18479,10 @@
                     <a:p>
                       <a:pPr algn="ctr" latinLnBrk="1"/>
                       <a:r>
-                        <a:rPr lang="en-US" altLang="ko-KR" b="0"/>
+                        <a:rPr lang="en-US" altLang="ko-KR" sz="2400" b="0" dirty="0"/>
                         <a:t>0.1</a:t>
                       </a:r>
-                      <a:endParaRPr lang="ko-KR" altLang="en-US" b="0"/>
+                      <a:endParaRPr lang="ko-KR" altLang="en-US" sz="2400" b="0" dirty="0"/>
                     </a:p>
                   </a:txBody>
                   <a:tcPr/>
@@ -18120,7 +18510,7 @@
                         <a:defRPr/>
                       </a:pPr>
                       <a:r>
-                        <a:rPr lang="en-US" altLang="ko-KR" sz="1800" b="0" kern="1200">
+                        <a:rPr lang="en-US" altLang="ko-KR" sz="2400" b="0" kern="1200" dirty="0">
                           <a:solidFill>
                             <a:schemeClr val="tx1"/>
                           </a:solidFill>
@@ -18131,7 +18521,7 @@
                         </a:rPr>
                         <a:t>0.0014</a:t>
                       </a:r>
-                      <a:endParaRPr lang="ko-KR" altLang="en-US" sz="1800" b="0" kern="1200">
+                      <a:endParaRPr lang="ko-KR" altLang="en-US" sz="2400" b="0" kern="1200" dirty="0">
                         <a:solidFill>
                           <a:schemeClr val="tx1"/>
                         </a:solidFill>
@@ -18169,14 +18559,14 @@
           <p:nvPr>
             <p:extLst>
               <p:ext uri="{D42A27DB-BD31-4B8C-83A1-F6EECF244321}">
-                <p14:modId xmlns:p14="http://schemas.microsoft.com/office/powerpoint/2010/main" val="4113791759"/>
+                <p14:modId xmlns:p14="http://schemas.microsoft.com/office/powerpoint/2010/main" val="393638357"/>
               </p:ext>
             </p:extLst>
           </p:nvPr>
         </p:nvGraphicFramePr>
         <p:xfrm>
           <a:off x="2551611" y="3659655"/>
-          <a:ext cx="6226629" cy="741680"/>
+          <a:ext cx="7095309" cy="1325562"/>
         </p:xfrm>
         <a:graphic>
           <a:graphicData uri="http://schemas.openxmlformats.org/drawingml/2006/table">
@@ -18185,21 +18575,21 @@
                 <a:tableStyleId>{5940675A-B579-460E-94D1-54222C63F5DA}</a:tableStyleId>
               </a:tblPr>
               <a:tblGrid>
-                <a:gridCol w="2075543">
+                <a:gridCol w="2365103">
                   <a:extLst>
                     <a:ext uri="{9D8B030D-6E8A-4147-A177-3AD203B41FA5}">
                       <a16:colId xmlns:a16="http://schemas.microsoft.com/office/drawing/2014/main" val="3494039300"/>
                     </a:ext>
                   </a:extLst>
                 </a:gridCol>
-                <a:gridCol w="2075543">
+                <a:gridCol w="2365103">
                   <a:extLst>
                     <a:ext uri="{9D8B030D-6E8A-4147-A177-3AD203B41FA5}">
                       <a16:colId xmlns:a16="http://schemas.microsoft.com/office/drawing/2014/main" val="1810301659"/>
                     </a:ext>
                   </a:extLst>
                 </a:gridCol>
-                <a:gridCol w="2075543">
+                <a:gridCol w="2365103">
                   <a:extLst>
                     <a:ext uri="{9D8B030D-6E8A-4147-A177-3AD203B41FA5}">
                       <a16:colId xmlns:a16="http://schemas.microsoft.com/office/drawing/2014/main" val="982574700"/>
@@ -18207,14 +18597,14 @@
                   </a:extLst>
                 </a:gridCol>
               </a:tblGrid>
-              <a:tr h="370840">
+              <a:tr h="662781">
                 <a:tc>
                   <a:txBody>
                     <a:bodyPr/>
                     <a:lstStyle/>
                     <a:p>
                       <a:pPr algn="ctr" latinLnBrk="1"/>
-                      <a:endParaRPr lang="ko-KR" altLang="en-US" b="0"/>
+                      <a:endParaRPr lang="ko-KR" altLang="en-US" sz="2400" b="0" dirty="0"/>
                     </a:p>
                   </a:txBody>
                   <a:tcPr/>
@@ -18226,10 +18616,10 @@
                     <a:p>
                       <a:pPr algn="ctr" latinLnBrk="1"/>
                       <a:r>
-                        <a:rPr lang="en-US" altLang="ko-KR" b="0"/>
+                        <a:rPr lang="en-US" altLang="ko-KR" sz="2400" b="0" dirty="0"/>
                         <a:t>Male</a:t>
                       </a:r>
-                      <a:endParaRPr lang="ko-KR" altLang="en-US" b="0"/>
+                      <a:endParaRPr lang="ko-KR" altLang="en-US" sz="2400" b="0" dirty="0"/>
                     </a:p>
                   </a:txBody>
                   <a:tcPr/>
@@ -18241,10 +18631,10 @@
                     <a:p>
                       <a:pPr algn="ctr" latinLnBrk="1"/>
                       <a:r>
-                        <a:rPr lang="en-US" altLang="ko-KR" b="0"/>
+                        <a:rPr lang="en-US" altLang="ko-KR" sz="2400" b="0"/>
                         <a:t>Female</a:t>
                       </a:r>
-                      <a:endParaRPr lang="ko-KR" altLang="en-US" b="0"/>
+                      <a:endParaRPr lang="ko-KR" altLang="en-US" sz="2400" b="0"/>
                     </a:p>
                   </a:txBody>
                   <a:tcPr/>
@@ -18255,7 +18645,7 @@
                   </a:ext>
                 </a:extLst>
               </a:tr>
-              <a:tr h="370840">
+              <a:tr h="662781">
                 <a:tc>
                   <a:txBody>
                     <a:bodyPr/>
@@ -18263,10 +18653,10 @@
                     <a:p>
                       <a:pPr algn="ctr" latinLnBrk="1"/>
                       <a:r>
-                        <a:rPr lang="en-US" altLang="ko-KR" b="0"/>
+                        <a:rPr lang="en-US" altLang="ko-KR" sz="2400" b="0"/>
                         <a:t>Ratio</a:t>
                       </a:r>
-                      <a:endParaRPr lang="ko-KR" altLang="en-US" b="0"/>
+                      <a:endParaRPr lang="ko-KR" altLang="en-US" sz="2400" b="0"/>
                     </a:p>
                   </a:txBody>
                   <a:tcPr/>
@@ -18278,10 +18668,10 @@
                     <a:p>
                       <a:pPr algn="ctr" latinLnBrk="1"/>
                       <a:r>
-                        <a:rPr lang="en-US" altLang="ko-KR" b="0"/>
+                        <a:rPr lang="en-US" altLang="ko-KR" sz="2400" b="0" dirty="0"/>
                         <a:t>6</a:t>
                       </a:r>
-                      <a:endParaRPr lang="ko-KR" altLang="en-US" b="0"/>
+                      <a:endParaRPr lang="ko-KR" altLang="en-US" sz="2400" b="0" dirty="0"/>
                     </a:p>
                   </a:txBody>
                   <a:tcPr/>
@@ -18309,7 +18699,7 @@
                         <a:defRPr/>
                       </a:pPr>
                       <a:r>
-                        <a:rPr lang="en-US" altLang="ko-KR" sz="1800" b="0" kern="1200">
+                        <a:rPr lang="en-US" altLang="ko-KR" sz="2400" b="0" kern="1200" dirty="0">
                           <a:solidFill>
                             <a:schemeClr val="tx1"/>
                           </a:solidFill>
@@ -18320,7 +18710,7 @@
                         </a:rPr>
                         <a:t>1</a:t>
                       </a:r>
-                      <a:endParaRPr lang="ko-KR" altLang="en-US" sz="1800" b="0" kern="1200">
+                      <a:endParaRPr lang="ko-KR" altLang="en-US" sz="2400" b="0" kern="1200" dirty="0">
                         <a:solidFill>
                           <a:schemeClr val="tx1"/>
                         </a:solidFill>
@@ -18423,7 +18813,7 @@
         <p:spPr>
           <a:xfrm>
             <a:off x="838200" y="2090056"/>
-            <a:ext cx="7449090" cy="707886"/>
+            <a:ext cx="10515600" cy="954107"/>
           </a:xfrm>
           <a:prstGeom prst="rect">
             <a:avLst/>
@@ -18431,22 +18821,22 @@
           <a:noFill/>
         </p:spPr>
         <p:txBody>
-          <a:bodyPr wrap="none" rtlCol="0">
+          <a:bodyPr wrap="square" rtlCol="0">
             <a:spAutoFit/>
           </a:bodyPr>
           <a:lstStyle/>
           <a:p>
             <a:r>
-              <a:rPr lang="en-US" altLang="ko-KR" sz="2000"/>
+              <a:rPr lang="en-US" altLang="ko-KR" sz="2800" dirty="0"/>
               <a:t>Autism is a severe neurobehavioral syndrome, arising largely</a:t>
             </a:r>
           </a:p>
           <a:p>
             <a:r>
-              <a:rPr lang="en-US" altLang="ko-KR" sz="2000"/>
+              <a:rPr lang="en-US" altLang="ko-KR" sz="2800" dirty="0"/>
               <a:t>as an inherited disorder, which can arise from several diseases</a:t>
             </a:r>
-            <a:endParaRPr lang="ko-KR" altLang="en-US" sz="2000"/>
+            <a:endParaRPr lang="ko-KR" altLang="en-US" sz="2800" dirty="0"/>
           </a:p>
         </p:txBody>
       </p:sp>
@@ -18712,6 +19102,47 @@
           </a:extLst>
         </p:spPr>
       </p:pic>
+      <p:sp>
+        <p:nvSpPr>
+          <p:cNvPr id="3" name="TextBox 2">
+            <a:extLst>
+              <a:ext uri="{FF2B5EF4-FFF2-40B4-BE49-F238E27FC236}">
+                <a16:creationId xmlns:a16="http://schemas.microsoft.com/office/drawing/2014/main" id="{66530835-1A1A-C417-D320-3433EC3E4690}"/>
+              </a:ext>
+            </a:extLst>
+          </p:cNvPr>
+          <p:cNvSpPr txBox="1"/>
+          <p:nvPr/>
+        </p:nvSpPr>
+        <p:spPr>
+          <a:xfrm>
+            <a:off x="1018902" y="5261416"/>
+            <a:ext cx="7990970" cy="646331"/>
+          </a:xfrm>
+          <a:prstGeom prst="rect">
+            <a:avLst/>
+          </a:prstGeom>
+          <a:noFill/>
+        </p:spPr>
+        <p:txBody>
+          <a:bodyPr wrap="none" rtlCol="0">
+            <a:spAutoFit/>
+          </a:bodyPr>
+          <a:lstStyle/>
+          <a:p>
+            <a:r>
+              <a:rPr lang="en-US" altLang="ko-KR" dirty="0"/>
+              <a:t>2. Increased Gradient of Neural Complexity is Inversely Related to Level of</a:t>
+            </a:r>
+          </a:p>
+          <a:p>
+            <a:r>
+              <a:rPr lang="en-US" altLang="ko-KR" dirty="0"/>
+              <a:t>Performance in Low-Level Perceptual Tasks</a:t>
+            </a:r>
+          </a:p>
+        </p:txBody>
+      </p:sp>
     </p:spTree>
     <p:extLst>
       <p:ext uri="{BB962C8B-B14F-4D97-AF65-F5344CB8AC3E}">

--- a/1_0722/0722_progress.pptx
+++ b/1_0722/0722_progress.pptx
@@ -18920,7 +18920,7 @@
         <p:spPr>
           <a:xfrm>
             <a:off x="838200" y="1872336"/>
-            <a:ext cx="6058069" cy="923330"/>
+            <a:ext cx="6715300" cy="1015663"/>
           </a:xfrm>
           <a:prstGeom prst="rect">
             <a:avLst/>
@@ -18934,20 +18934,28 @@
           <a:lstStyle/>
           <a:p>
             <a:r>
-              <a:rPr lang="en-US" altLang="ko-KR"/>
-              <a:t>Laurent Mottron et al. 2006</a:t>
-            </a:r>
-          </a:p>
-          <a:p>
-            <a:r>
-              <a:rPr lang="en-US" altLang="ko-KR"/>
+              <a:rPr lang="en-US" altLang="ko-KR" sz="2000" dirty="0"/>
+              <a:t>Laurent </a:t>
+            </a:r>
+            <a:r>
+              <a:rPr lang="en-US" altLang="ko-KR" sz="2000" dirty="0" err="1"/>
+              <a:t>Mottron</a:t>
+            </a:r>
+            <a:r>
+              <a:rPr lang="en-US" altLang="ko-KR" sz="2000" dirty="0"/>
+              <a:t> et al. 2006</a:t>
+            </a:r>
+          </a:p>
+          <a:p>
+            <a:r>
+              <a:rPr lang="en-US" altLang="ko-KR" sz="2000" dirty="0"/>
               <a:t>Enhanced Perceptual Functioning in Autism: An Update,</a:t>
             </a:r>
             <a:br>
-              <a:rPr lang="en-US" altLang="ko-KR"/>
+              <a:rPr lang="en-US" altLang="ko-KR" sz="2000" dirty="0"/>
             </a:br>
             <a:r>
-              <a:rPr lang="en-US" altLang="ko-KR"/>
+              <a:rPr lang="en-US" altLang="ko-KR" sz="2000" dirty="0"/>
               <a:t>and Eight Principles of Autistic Perception</a:t>
             </a:r>
           </a:p>

--- a/1_0722/0722_progress.pptx
+++ b/1_0722/0722_progress.pptx
@@ -305,7 +305,7 @@
           <a:p>
             <a:fld id="{DBA7A782-6211-4857-8CCF-A6CB4A197067}" type="datetimeFigureOut">
               <a:rPr lang="ko-KR" altLang="en-US" smtClean="0"/>
-              <a:t>2025-07-22</a:t>
+              <a:t>2025-07-28</a:t>
             </a:fld>
             <a:endParaRPr lang="ko-KR" altLang="en-US"/>
           </a:p>
@@ -503,7 +503,7 @@
           <a:p>
             <a:fld id="{DBA7A782-6211-4857-8CCF-A6CB4A197067}" type="datetimeFigureOut">
               <a:rPr lang="ko-KR" altLang="en-US" smtClean="0"/>
-              <a:t>2025-07-22</a:t>
+              <a:t>2025-07-28</a:t>
             </a:fld>
             <a:endParaRPr lang="ko-KR" altLang="en-US"/>
           </a:p>
@@ -711,7 +711,7 @@
           <a:p>
             <a:fld id="{DBA7A782-6211-4857-8CCF-A6CB4A197067}" type="datetimeFigureOut">
               <a:rPr lang="ko-KR" altLang="en-US" smtClean="0"/>
-              <a:t>2025-07-22</a:t>
+              <a:t>2025-07-28</a:t>
             </a:fld>
             <a:endParaRPr lang="ko-KR" altLang="en-US"/>
           </a:p>
@@ -909,7 +909,7 @@
           <a:p>
             <a:fld id="{DBA7A782-6211-4857-8CCF-A6CB4A197067}" type="datetimeFigureOut">
               <a:rPr lang="ko-KR" altLang="en-US" smtClean="0"/>
-              <a:t>2025-07-22</a:t>
+              <a:t>2025-07-28</a:t>
             </a:fld>
             <a:endParaRPr lang="ko-KR" altLang="en-US"/>
           </a:p>
@@ -1184,7 +1184,7 @@
           <a:p>
             <a:fld id="{DBA7A782-6211-4857-8CCF-A6CB4A197067}" type="datetimeFigureOut">
               <a:rPr lang="ko-KR" altLang="en-US" smtClean="0"/>
-              <a:t>2025-07-22</a:t>
+              <a:t>2025-07-28</a:t>
             </a:fld>
             <a:endParaRPr lang="ko-KR" altLang="en-US"/>
           </a:p>
@@ -1449,7 +1449,7 @@
           <a:p>
             <a:fld id="{DBA7A782-6211-4857-8CCF-A6CB4A197067}" type="datetimeFigureOut">
               <a:rPr lang="ko-KR" altLang="en-US" smtClean="0"/>
-              <a:t>2025-07-22</a:t>
+              <a:t>2025-07-28</a:t>
             </a:fld>
             <a:endParaRPr lang="ko-KR" altLang="en-US"/>
           </a:p>
@@ -1861,7 +1861,7 @@
           <a:p>
             <a:fld id="{DBA7A782-6211-4857-8CCF-A6CB4A197067}" type="datetimeFigureOut">
               <a:rPr lang="ko-KR" altLang="en-US" smtClean="0"/>
-              <a:t>2025-07-22</a:t>
+              <a:t>2025-07-28</a:t>
             </a:fld>
             <a:endParaRPr lang="ko-KR" altLang="en-US"/>
           </a:p>
@@ -2002,7 +2002,7 @@
           <a:p>
             <a:fld id="{DBA7A782-6211-4857-8CCF-A6CB4A197067}" type="datetimeFigureOut">
               <a:rPr lang="ko-KR" altLang="en-US" smtClean="0"/>
-              <a:t>2025-07-22</a:t>
+              <a:t>2025-07-28</a:t>
             </a:fld>
             <a:endParaRPr lang="ko-KR" altLang="en-US"/>
           </a:p>
@@ -2115,7 +2115,7 @@
           <a:p>
             <a:fld id="{DBA7A782-6211-4857-8CCF-A6CB4A197067}" type="datetimeFigureOut">
               <a:rPr lang="ko-KR" altLang="en-US" smtClean="0"/>
-              <a:t>2025-07-22</a:t>
+              <a:t>2025-07-28</a:t>
             </a:fld>
             <a:endParaRPr lang="ko-KR" altLang="en-US"/>
           </a:p>
@@ -2426,7 +2426,7 @@
           <a:p>
             <a:fld id="{DBA7A782-6211-4857-8CCF-A6CB4A197067}" type="datetimeFigureOut">
               <a:rPr lang="ko-KR" altLang="en-US" smtClean="0"/>
-              <a:t>2025-07-22</a:t>
+              <a:t>2025-07-28</a:t>
             </a:fld>
             <a:endParaRPr lang="ko-KR" altLang="en-US"/>
           </a:p>
@@ -2714,7 +2714,7 @@
           <a:p>
             <a:fld id="{DBA7A782-6211-4857-8CCF-A6CB4A197067}" type="datetimeFigureOut">
               <a:rPr lang="ko-KR" altLang="en-US" smtClean="0"/>
-              <a:t>2025-07-22</a:t>
+              <a:t>2025-07-28</a:t>
             </a:fld>
             <a:endParaRPr lang="ko-KR" altLang="en-US"/>
           </a:p>
@@ -2955,7 +2955,7 @@
           <a:p>
             <a:fld id="{DBA7A782-6211-4857-8CCF-A6CB4A197067}" type="datetimeFigureOut">
               <a:rPr lang="ko-KR" altLang="en-US" smtClean="0"/>
-              <a:t>2025-07-22</a:t>
+              <a:t>2025-07-28</a:t>
             </a:fld>
             <a:endParaRPr lang="ko-KR" altLang="en-US"/>
           </a:p>
@@ -6341,7 +6341,7 @@
                       <a:srgbClr val="FF0000"/>
                     </a:solidFill>
                   </a:rPr>
-                  <a:t>LESS</a:t>
+                  <a:t>MORE</a:t>
                 </a:r>
               </a:p>
               <a:p>
@@ -6495,7 +6495,7 @@
                       <a:srgbClr val="FF0000"/>
                     </a:solidFill>
                   </a:rPr>
-                  <a:t>LESS</a:t>
+                  <a:t>MORE</a:t>
                 </a:r>
               </a:p>
               <a:p>
